--- a/Halal Food Provider in Ohio_USA.pptx
+++ b/Halal Food Provider in Ohio_USA.pptx
@@ -9,6 +9,23 @@
     <p:sldId id="257" r:id="rId3"/>
     <p:sldId id="258" r:id="rId4"/>
     <p:sldId id="259" r:id="rId5"/>
+    <p:sldId id="260" r:id="rId6"/>
+    <p:sldId id="264" r:id="rId7"/>
+    <p:sldId id="262" r:id="rId8"/>
+    <p:sldId id="261" r:id="rId9"/>
+    <p:sldId id="263" r:id="rId10"/>
+    <p:sldId id="265" r:id="rId11"/>
+    <p:sldId id="266" r:id="rId12"/>
+    <p:sldId id="267" r:id="rId13"/>
+    <p:sldId id="268" r:id="rId14"/>
+    <p:sldId id="269" r:id="rId15"/>
+    <p:sldId id="270" r:id="rId16"/>
+    <p:sldId id="271" r:id="rId17"/>
+    <p:sldId id="272" r:id="rId18"/>
+    <p:sldId id="273" r:id="rId19"/>
+    <p:sldId id="275" r:id="rId20"/>
+    <p:sldId id="276" r:id="rId21"/>
+    <p:sldId id="277" r:id="rId22"/>
   </p:sldIdLst>
   <p:sldSz cx="12192000" cy="6858000"/>
   <p:notesSz cx="6858000" cy="9144000"/>
@@ -303,7 +320,7 @@
           <a:p>
             <a:fld id="{96105182-F621-44F0-9E45-F873FD69CF96}" type="datetimeFigureOut">
               <a:rPr lang="en-US" smtClean="0"/>
-              <a:t>12/28/2020</a:t>
+              <a:t>1/2/2021</a:t>
             </a:fld>
             <a:endParaRPr lang="en-US"/>
           </a:p>
@@ -641,7 +658,7 @@
           <a:p>
             <a:fld id="{96105182-F621-44F0-9E45-F873FD69CF96}" type="datetimeFigureOut">
               <a:rPr lang="en-US" smtClean="0"/>
-              <a:t>12/28/2020</a:t>
+              <a:t>1/2/2021</a:t>
             </a:fld>
             <a:endParaRPr lang="en-US"/>
           </a:p>
@@ -1042,7 +1059,7 @@
           <a:p>
             <a:fld id="{96105182-F621-44F0-9E45-F873FD69CF96}" type="datetimeFigureOut">
               <a:rPr lang="en-US" smtClean="0"/>
-              <a:t>12/28/2020</a:t>
+              <a:t>1/2/2021</a:t>
             </a:fld>
             <a:endParaRPr lang="en-US"/>
           </a:p>
@@ -1378,7 +1395,7 @@
           <a:p>
             <a:fld id="{96105182-F621-44F0-9E45-F873FD69CF96}" type="datetimeFigureOut">
               <a:rPr lang="en-US" smtClean="0"/>
-              <a:t>12/28/2020</a:t>
+              <a:t>1/2/2021</a:t>
             </a:fld>
             <a:endParaRPr lang="en-US"/>
           </a:p>
@@ -1698,7 +1715,7 @@
           <a:p>
             <a:fld id="{96105182-F621-44F0-9E45-F873FD69CF96}" type="datetimeFigureOut">
               <a:rPr lang="en-US" smtClean="0"/>
-              <a:t>12/28/2020</a:t>
+              <a:t>1/2/2021</a:t>
             </a:fld>
             <a:endParaRPr lang="en-US"/>
           </a:p>
@@ -2094,7 +2111,7 @@
           <a:p>
             <a:fld id="{96105182-F621-44F0-9E45-F873FD69CF96}" type="datetimeFigureOut">
               <a:rPr lang="en-US" smtClean="0"/>
-              <a:t>12/28/2020</a:t>
+              <a:t>1/2/2021</a:t>
             </a:fld>
             <a:endParaRPr lang="en-US"/>
           </a:p>
@@ -2351,7 +2368,7 @@
           <a:p>
             <a:fld id="{96105182-F621-44F0-9E45-F873FD69CF96}" type="datetimeFigureOut">
               <a:rPr lang="en-US" smtClean="0"/>
-              <a:t>12/28/2020</a:t>
+              <a:t>1/2/2021</a:t>
             </a:fld>
             <a:endParaRPr lang="en-US"/>
           </a:p>
@@ -2613,7 +2630,7 @@
           <a:p>
             <a:fld id="{96105182-F621-44F0-9E45-F873FD69CF96}" type="datetimeFigureOut">
               <a:rPr lang="en-US" smtClean="0"/>
-              <a:t>12/28/2020</a:t>
+              <a:t>1/2/2021</a:t>
             </a:fld>
             <a:endParaRPr lang="en-US"/>
           </a:p>
@@ -2875,7 +2892,7 @@
           <a:p>
             <a:fld id="{96105182-F621-44F0-9E45-F873FD69CF96}" type="datetimeFigureOut">
               <a:rPr lang="en-US" smtClean="0"/>
-              <a:t>12/28/2020</a:t>
+              <a:t>1/2/2021</a:t>
             </a:fld>
             <a:endParaRPr lang="en-US"/>
           </a:p>
@@ -3204,7 +3221,7 @@
           <a:p>
             <a:fld id="{96105182-F621-44F0-9E45-F873FD69CF96}" type="datetimeFigureOut">
               <a:rPr lang="en-US" smtClean="0"/>
-              <a:t>12/28/2020</a:t>
+              <a:t>1/2/2021</a:t>
             </a:fld>
             <a:endParaRPr lang="en-US"/>
           </a:p>
@@ -3527,7 +3544,7 @@
           <a:p>
             <a:fld id="{96105182-F621-44F0-9E45-F873FD69CF96}" type="datetimeFigureOut">
               <a:rPr lang="en-US" smtClean="0"/>
-              <a:t>12/28/2020</a:t>
+              <a:t>1/2/2021</a:t>
             </a:fld>
             <a:endParaRPr lang="en-US"/>
           </a:p>
@@ -3984,7 +4001,7 @@
           <a:p>
             <a:fld id="{96105182-F621-44F0-9E45-F873FD69CF96}" type="datetimeFigureOut">
               <a:rPr lang="en-US" smtClean="0"/>
-              <a:t>12/28/2020</a:t>
+              <a:t>1/2/2021</a:t>
             </a:fld>
             <a:endParaRPr lang="en-US"/>
           </a:p>
@@ -4189,7 +4206,7 @@
           <a:p>
             <a:fld id="{96105182-F621-44F0-9E45-F873FD69CF96}" type="datetimeFigureOut">
               <a:rPr lang="en-US" smtClean="0"/>
-              <a:t>12/28/2020</a:t>
+              <a:t>1/2/2021</a:t>
             </a:fld>
             <a:endParaRPr lang="en-US"/>
           </a:p>
@@ -4366,7 +4383,7 @@
           <a:p>
             <a:fld id="{96105182-F621-44F0-9E45-F873FD69CF96}" type="datetimeFigureOut">
               <a:rPr lang="en-US" smtClean="0"/>
-              <a:t>12/28/2020</a:t>
+              <a:t>1/2/2021</a:t>
             </a:fld>
             <a:endParaRPr lang="en-US"/>
           </a:p>
@@ -4699,7 +4716,7 @@
           <a:p>
             <a:fld id="{96105182-F621-44F0-9E45-F873FD69CF96}" type="datetimeFigureOut">
               <a:rPr lang="en-US" smtClean="0"/>
-              <a:t>12/28/2020</a:t>
+              <a:t>1/2/2021</a:t>
             </a:fld>
             <a:endParaRPr lang="en-US"/>
           </a:p>
@@ -5044,7 +5061,7 @@
           <a:p>
             <a:fld id="{96105182-F621-44F0-9E45-F873FD69CF96}" type="datetimeFigureOut">
               <a:rPr lang="en-US" smtClean="0"/>
-              <a:t>12/28/2020</a:t>
+              <a:t>1/2/2021</a:t>
             </a:fld>
             <a:endParaRPr lang="en-US"/>
           </a:p>
@@ -7161,7 +7178,7 @@
           <a:p>
             <a:fld id="{96105182-F621-44F0-9E45-F873FD69CF96}" type="datetimeFigureOut">
               <a:rPr lang="en-US" smtClean="0"/>
-              <a:t>12/28/2020</a:t>
+              <a:t>1/2/2021</a:t>
             </a:fld>
             <a:endParaRPr lang="en-US"/>
           </a:p>
@@ -7752,6 +7769,1196 @@
 </p:sld>
 </file>
 
+<file path=ppt/slides/slide10.xml><?xml version="1.0" encoding="utf-8"?>
+<p:sld xmlns:a="http://schemas.openxmlformats.org/drawingml/2006/main" xmlns:r="http://schemas.openxmlformats.org/officeDocument/2006/relationships" xmlns:p="http://schemas.openxmlformats.org/presentationml/2006/main">
+  <p:cSld>
+    <p:spTree>
+      <p:nvGrpSpPr>
+        <p:cNvPr id="1" name=""/>
+        <p:cNvGrpSpPr/>
+        <p:nvPr/>
+      </p:nvGrpSpPr>
+      <p:grpSpPr>
+        <a:xfrm>
+          <a:off x="0" y="0"/>
+          <a:ext cx="0" cy="0"/>
+          <a:chOff x="0" y="0"/>
+          <a:chExt cx="0" cy="0"/>
+        </a:xfrm>
+      </p:grpSpPr>
+      <p:sp>
+        <p:nvSpPr>
+          <p:cNvPr id="4" name="Title 3">
+            <a:extLst>
+              <a:ext uri="{FF2B5EF4-FFF2-40B4-BE49-F238E27FC236}">
+                <a16:creationId xmlns:a16="http://schemas.microsoft.com/office/drawing/2014/main" id="{79583A41-A587-43C7-871B-557A9DA3B4F9}"/>
+              </a:ext>
+            </a:extLst>
+          </p:cNvPr>
+          <p:cNvSpPr>
+            <a:spLocks noGrp="1"/>
+          </p:cNvSpPr>
+          <p:nvPr>
+            <p:ph type="title"/>
+          </p:nvPr>
+        </p:nvSpPr>
+        <p:spPr/>
+        <p:txBody>
+          <a:bodyPr/>
+          <a:lstStyle/>
+          <a:p>
+            <a:r>
+              <a:rPr lang="en-US" dirty="0"/>
+              <a:t>Plot a map for each County </a:t>
+            </a:r>
+          </a:p>
+        </p:txBody>
+      </p:sp>
+    </p:spTree>
+    <p:extLst>
+      <p:ext uri="{BB962C8B-B14F-4D97-AF65-F5344CB8AC3E}">
+        <p14:creationId xmlns:p14="http://schemas.microsoft.com/office/powerpoint/2010/main" val="3872875166"/>
+      </p:ext>
+    </p:extLst>
+  </p:cSld>
+  <p:clrMapOvr>
+    <a:masterClrMapping/>
+  </p:clrMapOvr>
+</p:sld>
+</file>
+
+<file path=ppt/slides/slide11.xml><?xml version="1.0" encoding="utf-8"?>
+<p:sld xmlns:a="http://schemas.openxmlformats.org/drawingml/2006/main" xmlns:r="http://schemas.openxmlformats.org/officeDocument/2006/relationships" xmlns:p="http://schemas.openxmlformats.org/presentationml/2006/main">
+  <p:cSld>
+    <p:spTree>
+      <p:nvGrpSpPr>
+        <p:cNvPr id="1" name=""/>
+        <p:cNvGrpSpPr/>
+        <p:nvPr/>
+      </p:nvGrpSpPr>
+      <p:grpSpPr>
+        <a:xfrm>
+          <a:off x="0" y="0"/>
+          <a:ext cx="0" cy="0"/>
+          <a:chOff x="0" y="0"/>
+          <a:chExt cx="0" cy="0"/>
+        </a:xfrm>
+      </p:grpSpPr>
+      <p:sp>
+        <p:nvSpPr>
+          <p:cNvPr id="4" name="Title 3">
+            <a:extLst>
+              <a:ext uri="{FF2B5EF4-FFF2-40B4-BE49-F238E27FC236}">
+                <a16:creationId xmlns:a16="http://schemas.microsoft.com/office/drawing/2014/main" id="{79583A41-A587-43C7-871B-557A9DA3B4F9}"/>
+              </a:ext>
+            </a:extLst>
+          </p:cNvPr>
+          <p:cNvSpPr>
+            <a:spLocks noGrp="1"/>
+          </p:cNvSpPr>
+          <p:nvPr>
+            <p:ph type="title" idx="4294967295"/>
+          </p:nvPr>
+        </p:nvSpPr>
+        <p:spPr>
+          <a:xfrm>
+            <a:off x="1638300" y="673101"/>
+            <a:ext cx="8915400" cy="698499"/>
+          </a:xfrm>
+        </p:spPr>
+        <p:txBody>
+          <a:bodyPr/>
+          <a:lstStyle/>
+          <a:p>
+            <a:r>
+              <a:rPr lang="en-US" dirty="0"/>
+              <a:t>Franklin County </a:t>
+            </a:r>
+          </a:p>
+        </p:txBody>
+      </p:sp>
+      <p:pic>
+        <p:nvPicPr>
+          <p:cNvPr id="3" name="Picture 2">
+            <a:extLst>
+              <a:ext uri="{FF2B5EF4-FFF2-40B4-BE49-F238E27FC236}">
+                <a16:creationId xmlns:a16="http://schemas.microsoft.com/office/drawing/2014/main" id="{9A98B656-B42F-42E2-9D4D-39CEF560E463}"/>
+              </a:ext>
+            </a:extLst>
+          </p:cNvPr>
+          <p:cNvPicPr>
+            <a:picLocks noChangeAspect="1"/>
+          </p:cNvPicPr>
+          <p:nvPr/>
+        </p:nvPicPr>
+        <p:blipFill>
+          <a:blip r:embed="rId2"/>
+          <a:stretch>
+            <a:fillRect/>
+          </a:stretch>
+        </p:blipFill>
+        <p:spPr>
+          <a:xfrm>
+            <a:off x="271463" y="1561606"/>
+            <a:ext cx="11837549" cy="4971303"/>
+          </a:xfrm>
+          <a:prstGeom prst="rect">
+            <a:avLst/>
+          </a:prstGeom>
+        </p:spPr>
+      </p:pic>
+    </p:spTree>
+    <p:extLst>
+      <p:ext uri="{BB962C8B-B14F-4D97-AF65-F5344CB8AC3E}">
+        <p14:creationId xmlns:p14="http://schemas.microsoft.com/office/powerpoint/2010/main" val="1204749487"/>
+      </p:ext>
+    </p:extLst>
+  </p:cSld>
+  <p:clrMapOvr>
+    <a:masterClrMapping/>
+  </p:clrMapOvr>
+</p:sld>
+</file>
+
+<file path=ppt/slides/slide12.xml><?xml version="1.0" encoding="utf-8"?>
+<p:sld xmlns:a="http://schemas.openxmlformats.org/drawingml/2006/main" xmlns:r="http://schemas.openxmlformats.org/officeDocument/2006/relationships" xmlns:p="http://schemas.openxmlformats.org/presentationml/2006/main">
+  <p:cSld>
+    <p:spTree>
+      <p:nvGrpSpPr>
+        <p:cNvPr id="1" name=""/>
+        <p:cNvGrpSpPr/>
+        <p:nvPr/>
+      </p:nvGrpSpPr>
+      <p:grpSpPr>
+        <a:xfrm>
+          <a:off x="0" y="0"/>
+          <a:ext cx="0" cy="0"/>
+          <a:chOff x="0" y="0"/>
+          <a:chExt cx="0" cy="0"/>
+        </a:xfrm>
+      </p:grpSpPr>
+      <p:sp>
+        <p:nvSpPr>
+          <p:cNvPr id="4" name="Title 3">
+            <a:extLst>
+              <a:ext uri="{FF2B5EF4-FFF2-40B4-BE49-F238E27FC236}">
+                <a16:creationId xmlns:a16="http://schemas.microsoft.com/office/drawing/2014/main" id="{79583A41-A587-43C7-871B-557A9DA3B4F9}"/>
+              </a:ext>
+            </a:extLst>
+          </p:cNvPr>
+          <p:cNvSpPr>
+            <a:spLocks noGrp="1"/>
+          </p:cNvSpPr>
+          <p:nvPr>
+            <p:ph type="title" idx="4294967295"/>
+          </p:nvPr>
+        </p:nvSpPr>
+        <p:spPr>
+          <a:xfrm>
+            <a:off x="1638300" y="673101"/>
+            <a:ext cx="8915400" cy="698499"/>
+          </a:xfrm>
+        </p:spPr>
+        <p:txBody>
+          <a:bodyPr/>
+          <a:lstStyle/>
+          <a:p>
+            <a:r>
+              <a:rPr lang="en-US" dirty="0"/>
+              <a:t>Cuyahoga  County </a:t>
+            </a:r>
+          </a:p>
+        </p:txBody>
+      </p:sp>
+      <p:pic>
+        <p:nvPicPr>
+          <p:cNvPr id="5" name="Picture 4">
+            <a:extLst>
+              <a:ext uri="{FF2B5EF4-FFF2-40B4-BE49-F238E27FC236}">
+                <a16:creationId xmlns:a16="http://schemas.microsoft.com/office/drawing/2014/main" id="{39A310FE-6F91-4299-9FE9-D6DE8BAF68EB}"/>
+              </a:ext>
+            </a:extLst>
+          </p:cNvPr>
+          <p:cNvPicPr>
+            <a:picLocks noChangeAspect="1"/>
+          </p:cNvPicPr>
+          <p:nvPr/>
+        </p:nvPicPr>
+        <p:blipFill>
+          <a:blip r:embed="rId2"/>
+          <a:stretch>
+            <a:fillRect/>
+          </a:stretch>
+        </p:blipFill>
+        <p:spPr>
+          <a:xfrm>
+            <a:off x="2343150" y="1584015"/>
+            <a:ext cx="8210549" cy="5255051"/>
+          </a:xfrm>
+          <a:prstGeom prst="rect">
+            <a:avLst/>
+          </a:prstGeom>
+        </p:spPr>
+      </p:pic>
+    </p:spTree>
+    <p:extLst>
+      <p:ext uri="{BB962C8B-B14F-4D97-AF65-F5344CB8AC3E}">
+        <p14:creationId xmlns:p14="http://schemas.microsoft.com/office/powerpoint/2010/main" val="677580980"/>
+      </p:ext>
+    </p:extLst>
+  </p:cSld>
+  <p:clrMapOvr>
+    <a:masterClrMapping/>
+  </p:clrMapOvr>
+</p:sld>
+</file>
+
+<file path=ppt/slides/slide13.xml><?xml version="1.0" encoding="utf-8"?>
+<p:sld xmlns:a="http://schemas.openxmlformats.org/drawingml/2006/main" xmlns:r="http://schemas.openxmlformats.org/officeDocument/2006/relationships" xmlns:p="http://schemas.openxmlformats.org/presentationml/2006/main">
+  <p:cSld>
+    <p:spTree>
+      <p:nvGrpSpPr>
+        <p:cNvPr id="1" name=""/>
+        <p:cNvGrpSpPr/>
+        <p:nvPr/>
+      </p:nvGrpSpPr>
+      <p:grpSpPr>
+        <a:xfrm>
+          <a:off x="0" y="0"/>
+          <a:ext cx="0" cy="0"/>
+          <a:chOff x="0" y="0"/>
+          <a:chExt cx="0" cy="0"/>
+        </a:xfrm>
+      </p:grpSpPr>
+      <p:sp>
+        <p:nvSpPr>
+          <p:cNvPr id="4" name="Title 3">
+            <a:extLst>
+              <a:ext uri="{FF2B5EF4-FFF2-40B4-BE49-F238E27FC236}">
+                <a16:creationId xmlns:a16="http://schemas.microsoft.com/office/drawing/2014/main" id="{79583A41-A587-43C7-871B-557A9DA3B4F9}"/>
+              </a:ext>
+            </a:extLst>
+          </p:cNvPr>
+          <p:cNvSpPr>
+            <a:spLocks noGrp="1"/>
+          </p:cNvSpPr>
+          <p:nvPr>
+            <p:ph type="title"/>
+          </p:nvPr>
+        </p:nvSpPr>
+        <p:spPr>
+          <a:xfrm>
+            <a:off x="1614489" y="624110"/>
+            <a:ext cx="9890124" cy="1280890"/>
+          </a:xfrm>
+        </p:spPr>
+        <p:txBody>
+          <a:bodyPr/>
+          <a:lstStyle/>
+          <a:p>
+            <a:r>
+              <a:rPr lang="en-US" dirty="0"/>
+              <a:t>Use Foursquare API to analyze the venues data </a:t>
+            </a:r>
+          </a:p>
+        </p:txBody>
+      </p:sp>
+      <p:sp>
+        <p:nvSpPr>
+          <p:cNvPr id="2" name="Content Placeholder 1">
+            <a:extLst>
+              <a:ext uri="{FF2B5EF4-FFF2-40B4-BE49-F238E27FC236}">
+                <a16:creationId xmlns:a16="http://schemas.microsoft.com/office/drawing/2014/main" id="{6627AF7C-DFBE-4CFB-AE63-4A95CF5C38B0}"/>
+              </a:ext>
+            </a:extLst>
+          </p:cNvPr>
+          <p:cNvSpPr>
+            <a:spLocks noGrp="1"/>
+          </p:cNvSpPr>
+          <p:nvPr>
+            <p:ph idx="1"/>
+          </p:nvPr>
+        </p:nvSpPr>
+        <p:spPr>
+          <a:xfrm>
+            <a:off x="1471612" y="1905000"/>
+            <a:ext cx="10032999" cy="4006222"/>
+          </a:xfrm>
+        </p:spPr>
+        <p:txBody>
+          <a:bodyPr/>
+          <a:lstStyle/>
+          <a:p>
+            <a:pPr algn="l"/>
+            <a:r>
+              <a:rPr lang="en-US" sz="2000" b="1" i="0" dirty="0">
+                <a:solidFill>
+                  <a:srgbClr val="000000"/>
+                </a:solidFill>
+                <a:effectLst/>
+                <a:latin typeface="ibm-plex-sans"/>
+              </a:rPr>
+              <a:t>Important : We created a </a:t>
+            </a:r>
+            <a:r>
+              <a:rPr lang="en-US" sz="2000" b="1" i="0" dirty="0" err="1">
+                <a:solidFill>
+                  <a:srgbClr val="000000"/>
+                </a:solidFill>
+                <a:effectLst/>
+                <a:latin typeface="ibm-plex-sans"/>
+              </a:rPr>
+              <a:t>datafram</a:t>
+            </a:r>
+            <a:r>
+              <a:rPr lang="en-US" sz="2000" b="1" i="0" dirty="0">
+                <a:solidFill>
+                  <a:srgbClr val="000000"/>
+                </a:solidFill>
+                <a:effectLst/>
+                <a:latin typeface="ibm-plex-sans"/>
+              </a:rPr>
+              <a:t> with:</a:t>
+            </a:r>
+          </a:p>
+          <a:p>
+            <a:pPr algn="l">
+              <a:buFont typeface="+mj-lt"/>
+              <a:buAutoNum type="arabicPeriod"/>
+            </a:pPr>
+            <a:r>
+              <a:rPr lang="en-US" sz="2000" b="0" i="0" dirty="0">
+                <a:solidFill>
+                  <a:srgbClr val="000000"/>
+                </a:solidFill>
+                <a:effectLst/>
+                <a:latin typeface="ibm-plex-sans"/>
+              </a:rPr>
+              <a:t>Three Venues for Franklin county ["Indian Restaurant", "Mediterranean Restaurant", "Turkish Restaurant"]</a:t>
+            </a:r>
+          </a:p>
+          <a:p>
+            <a:pPr algn="l">
+              <a:buFont typeface="+mj-lt"/>
+              <a:buAutoNum type="arabicPeriod"/>
+            </a:pPr>
+            <a:r>
+              <a:rPr lang="en-US" sz="2000" b="0" i="0" dirty="0">
+                <a:solidFill>
+                  <a:srgbClr val="000000"/>
+                </a:solidFill>
+                <a:effectLst/>
+                <a:latin typeface="ibm-plex-sans"/>
+              </a:rPr>
+              <a:t>Two venues for Cuyahoga ["Indian Restaurant", "Mediterranean Restaurant"]</a:t>
+            </a:r>
+          </a:p>
+          <a:p>
+            <a:pPr algn="l"/>
+            <a:r>
+              <a:rPr lang="en-US" sz="2000" b="1" i="0" dirty="0">
+                <a:solidFill>
+                  <a:srgbClr val="000000"/>
+                </a:solidFill>
+                <a:effectLst/>
+                <a:latin typeface="ibm-plex-sans"/>
+              </a:rPr>
+              <a:t>Why ?</a:t>
+            </a:r>
+          </a:p>
+          <a:p>
+            <a:pPr algn="l"/>
+            <a:r>
+              <a:rPr lang="en-US" sz="2000" b="0" i="0" dirty="0">
+                <a:solidFill>
+                  <a:srgbClr val="000000"/>
+                </a:solidFill>
+                <a:effectLst/>
+                <a:latin typeface="ibm-plex-sans"/>
+              </a:rPr>
+              <a:t>Our study assume that theses venues are the venues highly depend on Halal products, so we focus on specific data.</a:t>
+            </a:r>
+          </a:p>
+          <a:p>
+            <a:pPr algn="l"/>
+            <a:r>
+              <a:rPr lang="en-US" sz="2000" dirty="0">
+                <a:solidFill>
+                  <a:srgbClr val="000000"/>
+                </a:solidFill>
+                <a:latin typeface="ibm-plex-sans"/>
+              </a:rPr>
+              <a:t>We clean the data to be able to work on the data </a:t>
+            </a:r>
+            <a:r>
+              <a:rPr lang="en-US" sz="2000" dirty="0" err="1">
+                <a:solidFill>
+                  <a:srgbClr val="000000"/>
+                </a:solidFill>
+                <a:latin typeface="ibm-plex-sans"/>
+              </a:rPr>
+              <a:t>fram</a:t>
+            </a:r>
+            <a:r>
+              <a:rPr lang="en-US" sz="2000" dirty="0">
+                <a:solidFill>
+                  <a:srgbClr val="000000"/>
+                </a:solidFill>
+                <a:latin typeface="ibm-plex-sans"/>
+              </a:rPr>
+              <a:t> </a:t>
+            </a:r>
+            <a:endParaRPr lang="en-US" sz="2000" b="0" i="0" dirty="0">
+              <a:solidFill>
+                <a:srgbClr val="000000"/>
+              </a:solidFill>
+              <a:effectLst/>
+              <a:latin typeface="ibm-plex-sans"/>
+            </a:endParaRPr>
+          </a:p>
+          <a:p>
+            <a:pPr marL="0" indent="0">
+              <a:buNone/>
+            </a:pPr>
+            <a:endParaRPr lang="en-US" dirty="0"/>
+          </a:p>
+        </p:txBody>
+      </p:sp>
+    </p:spTree>
+    <p:extLst>
+      <p:ext uri="{BB962C8B-B14F-4D97-AF65-F5344CB8AC3E}">
+        <p14:creationId xmlns:p14="http://schemas.microsoft.com/office/powerpoint/2010/main" val="887917506"/>
+      </p:ext>
+    </p:extLst>
+  </p:cSld>
+  <p:clrMapOvr>
+    <a:masterClrMapping/>
+  </p:clrMapOvr>
+</p:sld>
+</file>
+
+<file path=ppt/slides/slide14.xml><?xml version="1.0" encoding="utf-8"?>
+<p:sld xmlns:a="http://schemas.openxmlformats.org/drawingml/2006/main" xmlns:r="http://schemas.openxmlformats.org/officeDocument/2006/relationships" xmlns:p="http://schemas.openxmlformats.org/presentationml/2006/main">
+  <p:cSld>
+    <p:spTree>
+      <p:nvGrpSpPr>
+        <p:cNvPr id="1" name=""/>
+        <p:cNvGrpSpPr/>
+        <p:nvPr/>
+      </p:nvGrpSpPr>
+      <p:grpSpPr>
+        <a:xfrm>
+          <a:off x="0" y="0"/>
+          <a:ext cx="0" cy="0"/>
+          <a:chOff x="0" y="0"/>
+          <a:chExt cx="0" cy="0"/>
+        </a:xfrm>
+      </p:grpSpPr>
+      <p:sp>
+        <p:nvSpPr>
+          <p:cNvPr id="4" name="Title 3">
+            <a:extLst>
+              <a:ext uri="{FF2B5EF4-FFF2-40B4-BE49-F238E27FC236}">
+                <a16:creationId xmlns:a16="http://schemas.microsoft.com/office/drawing/2014/main" id="{79583A41-A587-43C7-871B-557A9DA3B4F9}"/>
+              </a:ext>
+            </a:extLst>
+          </p:cNvPr>
+          <p:cNvSpPr>
+            <a:spLocks noGrp="1"/>
+          </p:cNvSpPr>
+          <p:nvPr>
+            <p:ph type="title"/>
+          </p:nvPr>
+        </p:nvSpPr>
+        <p:spPr/>
+        <p:txBody>
+          <a:bodyPr/>
+          <a:lstStyle/>
+          <a:p>
+            <a:r>
+              <a:rPr lang="en-US" dirty="0"/>
+              <a:t>Sample of data for both Counties </a:t>
+            </a:r>
+          </a:p>
+        </p:txBody>
+      </p:sp>
+      <p:sp>
+        <p:nvSpPr>
+          <p:cNvPr id="5" name="Content Placeholder 4">
+            <a:extLst>
+              <a:ext uri="{FF2B5EF4-FFF2-40B4-BE49-F238E27FC236}">
+                <a16:creationId xmlns:a16="http://schemas.microsoft.com/office/drawing/2014/main" id="{D04F5254-ECE1-4811-B27F-7FFFF7A819E8}"/>
+              </a:ext>
+            </a:extLst>
+          </p:cNvPr>
+          <p:cNvSpPr>
+            <a:spLocks noGrp="1"/>
+          </p:cNvSpPr>
+          <p:nvPr>
+            <p:ph sz="half" idx="1"/>
+          </p:nvPr>
+        </p:nvSpPr>
+        <p:spPr>
+          <a:xfrm>
+            <a:off x="687389" y="1685925"/>
+            <a:ext cx="5264152" cy="4953000"/>
+          </a:xfrm>
+        </p:spPr>
+        <p:txBody>
+          <a:bodyPr/>
+          <a:lstStyle/>
+          <a:p>
+            <a:r>
+              <a:rPr lang="en-US" dirty="0"/>
+              <a:t>Franklin County </a:t>
+            </a:r>
+          </a:p>
+        </p:txBody>
+      </p:sp>
+      <p:sp>
+        <p:nvSpPr>
+          <p:cNvPr id="6" name="Content Placeholder 5">
+            <a:extLst>
+              <a:ext uri="{FF2B5EF4-FFF2-40B4-BE49-F238E27FC236}">
+                <a16:creationId xmlns:a16="http://schemas.microsoft.com/office/drawing/2014/main" id="{6A5D822A-827A-4E37-9846-5D0CA41208B6}"/>
+              </a:ext>
+            </a:extLst>
+          </p:cNvPr>
+          <p:cNvSpPr>
+            <a:spLocks noGrp="1"/>
+          </p:cNvSpPr>
+          <p:nvPr>
+            <p:ph sz="half" idx="2"/>
+          </p:nvPr>
+        </p:nvSpPr>
+        <p:spPr>
+          <a:xfrm>
+            <a:off x="6516690" y="1671637"/>
+            <a:ext cx="5264152" cy="4953000"/>
+          </a:xfrm>
+        </p:spPr>
+        <p:txBody>
+          <a:bodyPr/>
+          <a:lstStyle/>
+          <a:p>
+            <a:r>
+              <a:rPr lang="en-US" dirty="0"/>
+              <a:t>Cuyahoga County </a:t>
+            </a:r>
+          </a:p>
+        </p:txBody>
+      </p:sp>
+      <p:pic>
+        <p:nvPicPr>
+          <p:cNvPr id="8" name="Picture 7">
+            <a:extLst>
+              <a:ext uri="{FF2B5EF4-FFF2-40B4-BE49-F238E27FC236}">
+                <a16:creationId xmlns:a16="http://schemas.microsoft.com/office/drawing/2014/main" id="{5A0BC915-C21A-4F16-AFD7-DB0ECA7823F9}"/>
+              </a:ext>
+            </a:extLst>
+          </p:cNvPr>
+          <p:cNvPicPr>
+            <a:picLocks noChangeAspect="1"/>
+          </p:cNvPicPr>
+          <p:nvPr/>
+        </p:nvPicPr>
+        <p:blipFill>
+          <a:blip r:embed="rId2"/>
+          <a:stretch>
+            <a:fillRect/>
+          </a:stretch>
+        </p:blipFill>
+        <p:spPr>
+          <a:xfrm>
+            <a:off x="668340" y="2414365"/>
+            <a:ext cx="5848350" cy="3819525"/>
+          </a:xfrm>
+          <a:prstGeom prst="rect">
+            <a:avLst/>
+          </a:prstGeom>
+        </p:spPr>
+      </p:pic>
+      <p:pic>
+        <p:nvPicPr>
+          <p:cNvPr id="10" name="Picture 9">
+            <a:extLst>
+              <a:ext uri="{FF2B5EF4-FFF2-40B4-BE49-F238E27FC236}">
+                <a16:creationId xmlns:a16="http://schemas.microsoft.com/office/drawing/2014/main" id="{DEAB1877-94DD-4A24-9EAA-7DFF43260BF6}"/>
+              </a:ext>
+            </a:extLst>
+          </p:cNvPr>
+          <p:cNvPicPr>
+            <a:picLocks noChangeAspect="1"/>
+          </p:cNvPicPr>
+          <p:nvPr/>
+        </p:nvPicPr>
+        <p:blipFill>
+          <a:blip r:embed="rId3"/>
+          <a:stretch>
+            <a:fillRect/>
+          </a:stretch>
+        </p:blipFill>
+        <p:spPr>
+          <a:xfrm>
+            <a:off x="6955749" y="2414365"/>
+            <a:ext cx="5014374" cy="3759035"/>
+          </a:xfrm>
+          <a:prstGeom prst="rect">
+            <a:avLst/>
+          </a:prstGeom>
+        </p:spPr>
+      </p:pic>
+    </p:spTree>
+    <p:extLst>
+      <p:ext uri="{BB962C8B-B14F-4D97-AF65-F5344CB8AC3E}">
+        <p14:creationId xmlns:p14="http://schemas.microsoft.com/office/powerpoint/2010/main" val="2624181928"/>
+      </p:ext>
+    </p:extLst>
+  </p:cSld>
+  <p:clrMapOvr>
+    <a:masterClrMapping/>
+  </p:clrMapOvr>
+</p:sld>
+</file>
+
+<file path=ppt/slides/slide15.xml><?xml version="1.0" encoding="utf-8"?>
+<p:sld xmlns:a="http://schemas.openxmlformats.org/drawingml/2006/main" xmlns:r="http://schemas.openxmlformats.org/officeDocument/2006/relationships" xmlns:p="http://schemas.openxmlformats.org/presentationml/2006/main">
+  <p:cSld>
+    <p:spTree>
+      <p:nvGrpSpPr>
+        <p:cNvPr id="1" name=""/>
+        <p:cNvGrpSpPr/>
+        <p:nvPr/>
+      </p:nvGrpSpPr>
+      <p:grpSpPr>
+        <a:xfrm>
+          <a:off x="0" y="0"/>
+          <a:ext cx="0" cy="0"/>
+          <a:chOff x="0" y="0"/>
+          <a:chExt cx="0" cy="0"/>
+        </a:xfrm>
+      </p:grpSpPr>
+      <p:sp>
+        <p:nvSpPr>
+          <p:cNvPr id="4" name="Title 3">
+            <a:extLst>
+              <a:ext uri="{FF2B5EF4-FFF2-40B4-BE49-F238E27FC236}">
+                <a16:creationId xmlns:a16="http://schemas.microsoft.com/office/drawing/2014/main" id="{79583A41-A587-43C7-871B-557A9DA3B4F9}"/>
+              </a:ext>
+            </a:extLst>
+          </p:cNvPr>
+          <p:cNvSpPr>
+            <a:spLocks noGrp="1"/>
+          </p:cNvSpPr>
+          <p:nvPr>
+            <p:ph type="title"/>
+          </p:nvPr>
+        </p:nvSpPr>
+        <p:spPr>
+          <a:xfrm>
+            <a:off x="1614489" y="624110"/>
+            <a:ext cx="9890124" cy="1280890"/>
+          </a:xfrm>
+        </p:spPr>
+        <p:txBody>
+          <a:bodyPr/>
+          <a:lstStyle/>
+          <a:p>
+            <a:r>
+              <a:rPr lang="en-US" dirty="0"/>
+              <a:t>Apply Clustering in each data set and plot map </a:t>
+            </a:r>
+          </a:p>
+        </p:txBody>
+      </p:sp>
+    </p:spTree>
+    <p:extLst>
+      <p:ext uri="{BB962C8B-B14F-4D97-AF65-F5344CB8AC3E}">
+        <p14:creationId xmlns:p14="http://schemas.microsoft.com/office/powerpoint/2010/main" val="2505605171"/>
+      </p:ext>
+    </p:extLst>
+  </p:cSld>
+  <p:clrMapOvr>
+    <a:masterClrMapping/>
+  </p:clrMapOvr>
+</p:sld>
+</file>
+
+<file path=ppt/slides/slide16.xml><?xml version="1.0" encoding="utf-8"?>
+<p:sld xmlns:a="http://schemas.openxmlformats.org/drawingml/2006/main" xmlns:r="http://schemas.openxmlformats.org/officeDocument/2006/relationships" xmlns:p="http://schemas.openxmlformats.org/presentationml/2006/main">
+  <p:cSld>
+    <p:spTree>
+      <p:nvGrpSpPr>
+        <p:cNvPr id="1" name=""/>
+        <p:cNvGrpSpPr/>
+        <p:nvPr/>
+      </p:nvGrpSpPr>
+      <p:grpSpPr>
+        <a:xfrm>
+          <a:off x="0" y="0"/>
+          <a:ext cx="0" cy="0"/>
+          <a:chOff x="0" y="0"/>
+          <a:chExt cx="0" cy="0"/>
+        </a:xfrm>
+      </p:grpSpPr>
+      <p:sp>
+        <p:nvSpPr>
+          <p:cNvPr id="4" name="Title 3">
+            <a:extLst>
+              <a:ext uri="{FF2B5EF4-FFF2-40B4-BE49-F238E27FC236}">
+                <a16:creationId xmlns:a16="http://schemas.microsoft.com/office/drawing/2014/main" id="{79583A41-A587-43C7-871B-557A9DA3B4F9}"/>
+              </a:ext>
+            </a:extLst>
+          </p:cNvPr>
+          <p:cNvSpPr>
+            <a:spLocks noGrp="1"/>
+          </p:cNvSpPr>
+          <p:nvPr>
+            <p:ph type="title"/>
+          </p:nvPr>
+        </p:nvSpPr>
+        <p:spPr>
+          <a:xfrm>
+            <a:off x="1614489" y="624110"/>
+            <a:ext cx="9890124" cy="1280890"/>
+          </a:xfrm>
+        </p:spPr>
+        <p:txBody>
+          <a:bodyPr/>
+          <a:lstStyle/>
+          <a:p>
+            <a:r>
+              <a:rPr lang="en-US" dirty="0"/>
+              <a:t>Franklin Cluster map </a:t>
+            </a:r>
+          </a:p>
+        </p:txBody>
+      </p:sp>
+      <p:pic>
+        <p:nvPicPr>
+          <p:cNvPr id="3" name="Picture 2">
+            <a:extLst>
+              <a:ext uri="{FF2B5EF4-FFF2-40B4-BE49-F238E27FC236}">
+                <a16:creationId xmlns:a16="http://schemas.microsoft.com/office/drawing/2014/main" id="{D2AA7388-75F5-4468-B091-805CAE667418}"/>
+              </a:ext>
+            </a:extLst>
+          </p:cNvPr>
+          <p:cNvPicPr>
+            <a:picLocks noChangeAspect="1"/>
+          </p:cNvPicPr>
+          <p:nvPr/>
+        </p:nvPicPr>
+        <p:blipFill>
+          <a:blip r:embed="rId2"/>
+          <a:stretch>
+            <a:fillRect/>
+          </a:stretch>
+        </p:blipFill>
+        <p:spPr>
+          <a:xfrm>
+            <a:off x="2100264" y="1264555"/>
+            <a:ext cx="8658224" cy="5372271"/>
+          </a:xfrm>
+          <a:prstGeom prst="rect">
+            <a:avLst/>
+          </a:prstGeom>
+        </p:spPr>
+      </p:pic>
+    </p:spTree>
+    <p:extLst>
+      <p:ext uri="{BB962C8B-B14F-4D97-AF65-F5344CB8AC3E}">
+        <p14:creationId xmlns:p14="http://schemas.microsoft.com/office/powerpoint/2010/main" val="3905583479"/>
+      </p:ext>
+    </p:extLst>
+  </p:cSld>
+  <p:clrMapOvr>
+    <a:masterClrMapping/>
+  </p:clrMapOvr>
+</p:sld>
+</file>
+
+<file path=ppt/slides/slide17.xml><?xml version="1.0" encoding="utf-8"?>
+<p:sld xmlns:a="http://schemas.openxmlformats.org/drawingml/2006/main" xmlns:r="http://schemas.openxmlformats.org/officeDocument/2006/relationships" xmlns:p="http://schemas.openxmlformats.org/presentationml/2006/main">
+  <p:cSld>
+    <p:spTree>
+      <p:nvGrpSpPr>
+        <p:cNvPr id="1" name=""/>
+        <p:cNvGrpSpPr/>
+        <p:nvPr/>
+      </p:nvGrpSpPr>
+      <p:grpSpPr>
+        <a:xfrm>
+          <a:off x="0" y="0"/>
+          <a:ext cx="0" cy="0"/>
+          <a:chOff x="0" y="0"/>
+          <a:chExt cx="0" cy="0"/>
+        </a:xfrm>
+      </p:grpSpPr>
+      <p:sp>
+        <p:nvSpPr>
+          <p:cNvPr id="4" name="Title 3">
+            <a:extLst>
+              <a:ext uri="{FF2B5EF4-FFF2-40B4-BE49-F238E27FC236}">
+                <a16:creationId xmlns:a16="http://schemas.microsoft.com/office/drawing/2014/main" id="{79583A41-A587-43C7-871B-557A9DA3B4F9}"/>
+              </a:ext>
+            </a:extLst>
+          </p:cNvPr>
+          <p:cNvSpPr>
+            <a:spLocks noGrp="1"/>
+          </p:cNvSpPr>
+          <p:nvPr>
+            <p:ph type="title"/>
+          </p:nvPr>
+        </p:nvSpPr>
+        <p:spPr>
+          <a:xfrm>
+            <a:off x="1614489" y="624110"/>
+            <a:ext cx="9890124" cy="1280890"/>
+          </a:xfrm>
+        </p:spPr>
+        <p:txBody>
+          <a:bodyPr/>
+          <a:lstStyle/>
+          <a:p>
+            <a:r>
+              <a:rPr lang="en-US" dirty="0"/>
+              <a:t>Cuyahoga  Cluster map </a:t>
+            </a:r>
+          </a:p>
+        </p:txBody>
+      </p:sp>
+      <p:pic>
+        <p:nvPicPr>
+          <p:cNvPr id="5" name="Picture 4">
+            <a:extLst>
+              <a:ext uri="{FF2B5EF4-FFF2-40B4-BE49-F238E27FC236}">
+                <a16:creationId xmlns:a16="http://schemas.microsoft.com/office/drawing/2014/main" id="{A8BE53C6-C46F-43AD-BBCE-A58C1341B384}"/>
+              </a:ext>
+            </a:extLst>
+          </p:cNvPr>
+          <p:cNvPicPr>
+            <a:picLocks noChangeAspect="1"/>
+          </p:cNvPicPr>
+          <p:nvPr/>
+        </p:nvPicPr>
+        <p:blipFill>
+          <a:blip r:embed="rId2"/>
+          <a:stretch>
+            <a:fillRect/>
+          </a:stretch>
+        </p:blipFill>
+        <p:spPr>
+          <a:xfrm>
+            <a:off x="2552700" y="1230617"/>
+            <a:ext cx="6905625" cy="5627383"/>
+          </a:xfrm>
+          <a:prstGeom prst="rect">
+            <a:avLst/>
+          </a:prstGeom>
+        </p:spPr>
+      </p:pic>
+    </p:spTree>
+    <p:extLst>
+      <p:ext uri="{BB962C8B-B14F-4D97-AF65-F5344CB8AC3E}">
+        <p14:creationId xmlns:p14="http://schemas.microsoft.com/office/powerpoint/2010/main" val="1629966958"/>
+      </p:ext>
+    </p:extLst>
+  </p:cSld>
+  <p:clrMapOvr>
+    <a:masterClrMapping/>
+  </p:clrMapOvr>
+</p:sld>
+</file>
+
+<file path=ppt/slides/slide18.xml><?xml version="1.0" encoding="utf-8"?>
+<p:sld xmlns:a="http://schemas.openxmlformats.org/drawingml/2006/main" xmlns:r="http://schemas.openxmlformats.org/officeDocument/2006/relationships" xmlns:p="http://schemas.openxmlformats.org/presentationml/2006/main">
+  <p:cSld>
+    <p:spTree>
+      <p:nvGrpSpPr>
+        <p:cNvPr id="1" name=""/>
+        <p:cNvGrpSpPr/>
+        <p:nvPr/>
+      </p:nvGrpSpPr>
+      <p:grpSpPr>
+        <a:xfrm>
+          <a:off x="0" y="0"/>
+          <a:ext cx="0" cy="0"/>
+          <a:chOff x="0" y="0"/>
+          <a:chExt cx="0" cy="0"/>
+        </a:xfrm>
+      </p:grpSpPr>
+      <p:sp>
+        <p:nvSpPr>
+          <p:cNvPr id="4" name="Title 3">
+            <a:extLst>
+              <a:ext uri="{FF2B5EF4-FFF2-40B4-BE49-F238E27FC236}">
+                <a16:creationId xmlns:a16="http://schemas.microsoft.com/office/drawing/2014/main" id="{79583A41-A587-43C7-871B-557A9DA3B4F9}"/>
+              </a:ext>
+            </a:extLst>
+          </p:cNvPr>
+          <p:cNvSpPr>
+            <a:spLocks noGrp="1"/>
+          </p:cNvSpPr>
+          <p:nvPr>
+            <p:ph type="title"/>
+          </p:nvPr>
+        </p:nvSpPr>
+        <p:spPr>
+          <a:xfrm>
+            <a:off x="1752432" y="313711"/>
+            <a:ext cx="10301288" cy="1280890"/>
+          </a:xfrm>
+        </p:spPr>
+        <p:txBody>
+          <a:bodyPr>
+            <a:normAutofit fontScale="90000"/>
+          </a:bodyPr>
+          <a:lstStyle/>
+          <a:p>
+            <a:r>
+              <a:rPr lang="en-US" dirty="0"/>
+              <a:t>Find in each County which cluster has the most venues of (Indian, Mediterranean and Turkish  </a:t>
+            </a:r>
+          </a:p>
+        </p:txBody>
+      </p:sp>
+      <p:sp>
+        <p:nvSpPr>
+          <p:cNvPr id="2" name="Content Placeholder 1">
+            <a:extLst>
+              <a:ext uri="{FF2B5EF4-FFF2-40B4-BE49-F238E27FC236}">
+                <a16:creationId xmlns:a16="http://schemas.microsoft.com/office/drawing/2014/main" id="{04910241-DA20-4664-BF67-9F9CD7093CB3}"/>
+              </a:ext>
+            </a:extLst>
+          </p:cNvPr>
+          <p:cNvSpPr>
+            <a:spLocks noGrp="1"/>
+          </p:cNvSpPr>
+          <p:nvPr>
+            <p:ph sz="half" idx="1"/>
+          </p:nvPr>
+        </p:nvSpPr>
+        <p:spPr>
+          <a:xfrm>
+            <a:off x="842963" y="1675563"/>
+            <a:ext cx="10186987" cy="2896437"/>
+          </a:xfrm>
+        </p:spPr>
+        <p:txBody>
+          <a:bodyPr/>
+          <a:lstStyle/>
+          <a:p>
+            <a:r>
+              <a:rPr lang="en-US" dirty="0"/>
+              <a:t>Franklin County  : Cluster one has the highest Frequency of the specific venues </a:t>
+            </a:r>
+          </a:p>
+          <a:p>
+            <a:endParaRPr lang="en-US" dirty="0"/>
+          </a:p>
+        </p:txBody>
+      </p:sp>
+      <p:sp>
+        <p:nvSpPr>
+          <p:cNvPr id="3" name="Content Placeholder 2">
+            <a:extLst>
+              <a:ext uri="{FF2B5EF4-FFF2-40B4-BE49-F238E27FC236}">
+                <a16:creationId xmlns:a16="http://schemas.microsoft.com/office/drawing/2014/main" id="{9B32FB8D-500E-43E4-9EA0-335FB49137E6}"/>
+              </a:ext>
+            </a:extLst>
+          </p:cNvPr>
+          <p:cNvSpPr>
+            <a:spLocks noGrp="1"/>
+          </p:cNvSpPr>
+          <p:nvPr>
+            <p:ph sz="half" idx="2"/>
+          </p:nvPr>
+        </p:nvSpPr>
+        <p:spPr>
+          <a:xfrm>
+            <a:off x="842962" y="4590827"/>
+            <a:ext cx="11349037" cy="2638648"/>
+          </a:xfrm>
+        </p:spPr>
+        <p:txBody>
+          <a:bodyPr/>
+          <a:lstStyle/>
+          <a:p>
+            <a:r>
+              <a:rPr lang="en-US" dirty="0"/>
+              <a:t>Cuyahoga County : Cluster one has the highest Frequency of the specific venues </a:t>
+            </a:r>
+          </a:p>
+        </p:txBody>
+      </p:sp>
+      <p:pic>
+        <p:nvPicPr>
+          <p:cNvPr id="7" name="Picture 6">
+            <a:extLst>
+              <a:ext uri="{FF2B5EF4-FFF2-40B4-BE49-F238E27FC236}">
+                <a16:creationId xmlns:a16="http://schemas.microsoft.com/office/drawing/2014/main" id="{0539EF23-80C6-4B53-96AB-FBA3156ECD88}"/>
+              </a:ext>
+            </a:extLst>
+          </p:cNvPr>
+          <p:cNvPicPr>
+            <a:picLocks noChangeAspect="1"/>
+          </p:cNvPicPr>
+          <p:nvPr/>
+        </p:nvPicPr>
+        <p:blipFill>
+          <a:blip r:embed="rId2"/>
+          <a:stretch>
+            <a:fillRect/>
+          </a:stretch>
+        </p:blipFill>
+        <p:spPr>
+          <a:xfrm>
+            <a:off x="1230603" y="2095254"/>
+            <a:ext cx="9799347" cy="2057053"/>
+          </a:xfrm>
+          <a:prstGeom prst="rect">
+            <a:avLst/>
+          </a:prstGeom>
+        </p:spPr>
+      </p:pic>
+      <p:pic>
+        <p:nvPicPr>
+          <p:cNvPr id="9" name="Picture 8">
+            <a:extLst>
+              <a:ext uri="{FF2B5EF4-FFF2-40B4-BE49-F238E27FC236}">
+                <a16:creationId xmlns:a16="http://schemas.microsoft.com/office/drawing/2014/main" id="{4FF69F7D-B6A5-4F6C-A9B4-9DC97439F029}"/>
+              </a:ext>
+            </a:extLst>
+          </p:cNvPr>
+          <p:cNvPicPr>
+            <a:picLocks noChangeAspect="1"/>
+          </p:cNvPicPr>
+          <p:nvPr/>
+        </p:nvPicPr>
+        <p:blipFill>
+          <a:blip r:embed="rId3"/>
+          <a:stretch>
+            <a:fillRect/>
+          </a:stretch>
+        </p:blipFill>
+        <p:spPr>
+          <a:xfrm>
+            <a:off x="1230603" y="4976996"/>
+            <a:ext cx="9799347" cy="1866309"/>
+          </a:xfrm>
+          <a:prstGeom prst="rect">
+            <a:avLst/>
+          </a:prstGeom>
+        </p:spPr>
+      </p:pic>
+    </p:spTree>
+    <p:extLst>
+      <p:ext uri="{BB962C8B-B14F-4D97-AF65-F5344CB8AC3E}">
+        <p14:creationId xmlns:p14="http://schemas.microsoft.com/office/powerpoint/2010/main" val="2576639252"/>
+      </p:ext>
+    </p:extLst>
+  </p:cSld>
+  <p:clrMapOvr>
+    <a:masterClrMapping/>
+  </p:clrMapOvr>
+</p:sld>
+</file>
+
+<file path=ppt/slides/slide19.xml><?xml version="1.0" encoding="utf-8"?>
+<p:sld xmlns:a="http://schemas.openxmlformats.org/drawingml/2006/main" xmlns:r="http://schemas.openxmlformats.org/officeDocument/2006/relationships" xmlns:p="http://schemas.openxmlformats.org/presentationml/2006/main">
+  <p:cSld>
+    <p:spTree>
+      <p:nvGrpSpPr>
+        <p:cNvPr id="1" name=""/>
+        <p:cNvGrpSpPr/>
+        <p:nvPr/>
+      </p:nvGrpSpPr>
+      <p:grpSpPr>
+        <a:xfrm>
+          <a:off x="0" y="0"/>
+          <a:ext cx="0" cy="0"/>
+          <a:chOff x="0" y="0"/>
+          <a:chExt cx="0" cy="0"/>
+        </a:xfrm>
+      </p:grpSpPr>
+      <p:sp>
+        <p:nvSpPr>
+          <p:cNvPr id="4" name="Title 3">
+            <a:extLst>
+              <a:ext uri="{FF2B5EF4-FFF2-40B4-BE49-F238E27FC236}">
+                <a16:creationId xmlns:a16="http://schemas.microsoft.com/office/drawing/2014/main" id="{79583A41-A587-43C7-871B-557A9DA3B4F9}"/>
+              </a:ext>
+            </a:extLst>
+          </p:cNvPr>
+          <p:cNvSpPr>
+            <a:spLocks noGrp="1"/>
+          </p:cNvSpPr>
+          <p:nvPr>
+            <p:ph type="title"/>
+          </p:nvPr>
+        </p:nvSpPr>
+        <p:spPr>
+          <a:xfrm>
+            <a:off x="1614489" y="624110"/>
+            <a:ext cx="9890124" cy="790353"/>
+          </a:xfrm>
+        </p:spPr>
+        <p:txBody>
+          <a:bodyPr>
+            <a:normAutofit/>
+          </a:bodyPr>
+          <a:lstStyle/>
+          <a:p>
+            <a:r>
+              <a:rPr lang="en-US" dirty="0"/>
+              <a:t>Franklin County – Cluster One </a:t>
+            </a:r>
+          </a:p>
+        </p:txBody>
+      </p:sp>
+      <p:pic>
+        <p:nvPicPr>
+          <p:cNvPr id="3" name="Picture 2">
+            <a:extLst>
+              <a:ext uri="{FF2B5EF4-FFF2-40B4-BE49-F238E27FC236}">
+                <a16:creationId xmlns:a16="http://schemas.microsoft.com/office/drawing/2014/main" id="{FFFC940F-061E-40E4-B71D-7FDEAFF859A6}"/>
+              </a:ext>
+            </a:extLst>
+          </p:cNvPr>
+          <p:cNvPicPr>
+            <a:picLocks noChangeAspect="1"/>
+          </p:cNvPicPr>
+          <p:nvPr/>
+        </p:nvPicPr>
+        <p:blipFill>
+          <a:blip r:embed="rId2"/>
+          <a:stretch>
+            <a:fillRect/>
+          </a:stretch>
+        </p:blipFill>
+        <p:spPr>
+          <a:xfrm>
+            <a:off x="2657476" y="1271588"/>
+            <a:ext cx="7223754" cy="5586412"/>
+          </a:xfrm>
+          <a:prstGeom prst="rect">
+            <a:avLst/>
+          </a:prstGeom>
+        </p:spPr>
+      </p:pic>
+    </p:spTree>
+    <p:extLst>
+      <p:ext uri="{BB962C8B-B14F-4D97-AF65-F5344CB8AC3E}">
+        <p14:creationId xmlns:p14="http://schemas.microsoft.com/office/powerpoint/2010/main" val="2907918668"/>
+      </p:ext>
+    </p:extLst>
+  </p:cSld>
+  <p:clrMapOvr>
+    <a:masterClrMapping/>
+  </p:clrMapOvr>
+</p:sld>
+</file>
+
 <file path=ppt/slides/slide2.xml><?xml version="1.0" encoding="utf-8"?>
 <p:sld xmlns:a="http://schemas.openxmlformats.org/drawingml/2006/main" xmlns:r="http://schemas.openxmlformats.org/officeDocument/2006/relationships" xmlns:p="http://schemas.openxmlformats.org/presentationml/2006/main">
   <p:cSld>
@@ -7915,6 +9122,196 @@
     <p:extLst>
       <p:ext uri="{BB962C8B-B14F-4D97-AF65-F5344CB8AC3E}">
         <p14:creationId xmlns:p14="http://schemas.microsoft.com/office/powerpoint/2010/main" val="3707625379"/>
+      </p:ext>
+    </p:extLst>
+  </p:cSld>
+  <p:clrMapOvr>
+    <a:masterClrMapping/>
+  </p:clrMapOvr>
+</p:sld>
+</file>
+
+<file path=ppt/slides/slide20.xml><?xml version="1.0" encoding="utf-8"?>
+<p:sld xmlns:a="http://schemas.openxmlformats.org/drawingml/2006/main" xmlns:r="http://schemas.openxmlformats.org/officeDocument/2006/relationships" xmlns:p="http://schemas.openxmlformats.org/presentationml/2006/main">
+  <p:cSld>
+    <p:spTree>
+      <p:nvGrpSpPr>
+        <p:cNvPr id="1" name=""/>
+        <p:cNvGrpSpPr/>
+        <p:nvPr/>
+      </p:nvGrpSpPr>
+      <p:grpSpPr>
+        <a:xfrm>
+          <a:off x="0" y="0"/>
+          <a:ext cx="0" cy="0"/>
+          <a:chOff x="0" y="0"/>
+          <a:chExt cx="0" cy="0"/>
+        </a:xfrm>
+      </p:grpSpPr>
+      <p:sp>
+        <p:nvSpPr>
+          <p:cNvPr id="4" name="Title 3">
+            <a:extLst>
+              <a:ext uri="{FF2B5EF4-FFF2-40B4-BE49-F238E27FC236}">
+                <a16:creationId xmlns:a16="http://schemas.microsoft.com/office/drawing/2014/main" id="{79583A41-A587-43C7-871B-557A9DA3B4F9}"/>
+              </a:ext>
+            </a:extLst>
+          </p:cNvPr>
+          <p:cNvSpPr>
+            <a:spLocks noGrp="1"/>
+          </p:cNvSpPr>
+          <p:nvPr>
+            <p:ph type="title"/>
+          </p:nvPr>
+        </p:nvSpPr>
+        <p:spPr>
+          <a:xfrm>
+            <a:off x="1614489" y="624110"/>
+            <a:ext cx="9890124" cy="861790"/>
+          </a:xfrm>
+        </p:spPr>
+        <p:txBody>
+          <a:bodyPr>
+            <a:normAutofit/>
+          </a:bodyPr>
+          <a:lstStyle/>
+          <a:p>
+            <a:r>
+              <a:rPr lang="en-US" dirty="0"/>
+              <a:t>Cuyahoga county – Cluster one </a:t>
+            </a:r>
+          </a:p>
+        </p:txBody>
+      </p:sp>
+      <p:pic>
+        <p:nvPicPr>
+          <p:cNvPr id="3" name="Picture 2">
+            <a:extLst>
+              <a:ext uri="{FF2B5EF4-FFF2-40B4-BE49-F238E27FC236}">
+                <a16:creationId xmlns:a16="http://schemas.microsoft.com/office/drawing/2014/main" id="{66213ACE-D17F-4A71-BDC8-88BE3E608030}"/>
+              </a:ext>
+            </a:extLst>
+          </p:cNvPr>
+          <p:cNvPicPr>
+            <a:picLocks noChangeAspect="1"/>
+          </p:cNvPicPr>
+          <p:nvPr/>
+        </p:nvPicPr>
+        <p:blipFill>
+          <a:blip r:embed="rId2"/>
+          <a:stretch>
+            <a:fillRect/>
+          </a:stretch>
+        </p:blipFill>
+        <p:spPr>
+          <a:xfrm>
+            <a:off x="1948090" y="1619027"/>
+            <a:ext cx="8790215" cy="4614863"/>
+          </a:xfrm>
+          <a:prstGeom prst="rect">
+            <a:avLst/>
+          </a:prstGeom>
+        </p:spPr>
+      </p:pic>
+    </p:spTree>
+    <p:extLst>
+      <p:ext uri="{BB962C8B-B14F-4D97-AF65-F5344CB8AC3E}">
+        <p14:creationId xmlns:p14="http://schemas.microsoft.com/office/powerpoint/2010/main" val="2388416467"/>
+      </p:ext>
+    </p:extLst>
+  </p:cSld>
+  <p:clrMapOvr>
+    <a:masterClrMapping/>
+  </p:clrMapOvr>
+</p:sld>
+</file>
+
+<file path=ppt/slides/slide21.xml><?xml version="1.0" encoding="utf-8"?>
+<p:sld xmlns:a="http://schemas.openxmlformats.org/drawingml/2006/main" xmlns:r="http://schemas.openxmlformats.org/officeDocument/2006/relationships" xmlns:p="http://schemas.openxmlformats.org/presentationml/2006/main">
+  <p:cSld>
+    <p:spTree>
+      <p:nvGrpSpPr>
+        <p:cNvPr id="1" name=""/>
+        <p:cNvGrpSpPr/>
+        <p:nvPr/>
+      </p:nvGrpSpPr>
+      <p:grpSpPr>
+        <a:xfrm>
+          <a:off x="0" y="0"/>
+          <a:ext cx="0" cy="0"/>
+          <a:chOff x="0" y="0"/>
+          <a:chExt cx="0" cy="0"/>
+        </a:xfrm>
+      </p:grpSpPr>
+      <p:sp>
+        <p:nvSpPr>
+          <p:cNvPr id="4" name="Title 3">
+            <a:extLst>
+              <a:ext uri="{FF2B5EF4-FFF2-40B4-BE49-F238E27FC236}">
+                <a16:creationId xmlns:a16="http://schemas.microsoft.com/office/drawing/2014/main" id="{79583A41-A587-43C7-871B-557A9DA3B4F9}"/>
+              </a:ext>
+            </a:extLst>
+          </p:cNvPr>
+          <p:cNvSpPr>
+            <a:spLocks noGrp="1"/>
+          </p:cNvSpPr>
+          <p:nvPr>
+            <p:ph type="title"/>
+          </p:nvPr>
+        </p:nvSpPr>
+        <p:spPr>
+          <a:xfrm>
+            <a:off x="1614489" y="624110"/>
+            <a:ext cx="9890124" cy="861790"/>
+          </a:xfrm>
+        </p:spPr>
+        <p:txBody>
+          <a:bodyPr>
+            <a:normAutofit/>
+          </a:bodyPr>
+          <a:lstStyle/>
+          <a:p>
+            <a:r>
+              <a:rPr lang="en-US" dirty="0"/>
+              <a:t>Conclusion: </a:t>
+            </a:r>
+          </a:p>
+        </p:txBody>
+      </p:sp>
+      <p:pic>
+        <p:nvPicPr>
+          <p:cNvPr id="5" name="Picture 4">
+            <a:extLst>
+              <a:ext uri="{FF2B5EF4-FFF2-40B4-BE49-F238E27FC236}">
+                <a16:creationId xmlns:a16="http://schemas.microsoft.com/office/drawing/2014/main" id="{B2C75296-3811-4D93-8102-61210180B3ED}"/>
+              </a:ext>
+            </a:extLst>
+          </p:cNvPr>
+          <p:cNvPicPr>
+            <a:picLocks noChangeAspect="1"/>
+          </p:cNvPicPr>
+          <p:nvPr/>
+        </p:nvPicPr>
+        <p:blipFill>
+          <a:blip r:embed="rId2"/>
+          <a:stretch>
+            <a:fillRect/>
+          </a:stretch>
+        </p:blipFill>
+        <p:spPr>
+          <a:xfrm>
+            <a:off x="245270" y="2243138"/>
+            <a:ext cx="12022929" cy="2671762"/>
+          </a:xfrm>
+          <a:prstGeom prst="rect">
+            <a:avLst/>
+          </a:prstGeom>
+        </p:spPr>
+      </p:pic>
+    </p:spTree>
+    <p:extLst>
+      <p:ext uri="{BB962C8B-B14F-4D97-AF65-F5344CB8AC3E}">
+        <p14:creationId xmlns:p14="http://schemas.microsoft.com/office/powerpoint/2010/main" val="1205427172"/>
       </p:ext>
     </p:extLst>
   </p:cSld>
@@ -8066,7 +9463,7 @@
           <a:p>
             <a:r>
               <a:rPr lang="en-US" dirty="0"/>
-              <a:t>Get the Geo coordinate using a while loop and  geocoder </a:t>
+              <a:t>Get the Geo by download the file from https://public.opendatasoft.com</a:t>
             </a:r>
           </a:p>
           <a:p>
@@ -8117,6 +9514,533 @@
     <p:extLst>
       <p:ext uri="{BB962C8B-B14F-4D97-AF65-F5344CB8AC3E}">
         <p14:creationId xmlns:p14="http://schemas.microsoft.com/office/powerpoint/2010/main" val="2024019275"/>
+      </p:ext>
+    </p:extLst>
+  </p:cSld>
+  <p:clrMapOvr>
+    <a:masterClrMapping/>
+  </p:clrMapOvr>
+</p:sld>
+</file>
+
+<file path=ppt/slides/slide5.xml><?xml version="1.0" encoding="utf-8"?>
+<p:sld xmlns:a="http://schemas.openxmlformats.org/drawingml/2006/main" xmlns:r="http://schemas.openxmlformats.org/officeDocument/2006/relationships" xmlns:p="http://schemas.openxmlformats.org/presentationml/2006/main">
+  <p:cSld>
+    <p:spTree>
+      <p:nvGrpSpPr>
+        <p:cNvPr id="1" name=""/>
+        <p:cNvGrpSpPr/>
+        <p:nvPr/>
+      </p:nvGrpSpPr>
+      <p:grpSpPr>
+        <a:xfrm>
+          <a:off x="0" y="0"/>
+          <a:ext cx="0" cy="0"/>
+          <a:chOff x="0" y="0"/>
+          <a:chExt cx="0" cy="0"/>
+        </a:xfrm>
+      </p:grpSpPr>
+      <p:pic>
+        <p:nvPicPr>
+          <p:cNvPr id="10" name="Content Placeholder 9">
+            <a:extLst>
+              <a:ext uri="{FF2B5EF4-FFF2-40B4-BE49-F238E27FC236}">
+                <a16:creationId xmlns:a16="http://schemas.microsoft.com/office/drawing/2014/main" id="{FC4731E5-6EC2-45AC-A012-FFB0420BB1E2}"/>
+              </a:ext>
+            </a:extLst>
+          </p:cNvPr>
+          <p:cNvPicPr>
+            <a:picLocks noGrp="1" noChangeAspect="1"/>
+          </p:cNvPicPr>
+          <p:nvPr>
+            <p:ph idx="1"/>
+          </p:nvPr>
+        </p:nvPicPr>
+        <p:blipFill>
+          <a:blip r:embed="rId2"/>
+          <a:stretch>
+            <a:fillRect/>
+          </a:stretch>
+        </p:blipFill>
+        <p:spPr>
+          <a:xfrm>
+            <a:off x="852420" y="1666568"/>
+            <a:ext cx="11214745" cy="5073035"/>
+          </a:xfrm>
+        </p:spPr>
+      </p:pic>
+      <p:sp>
+        <p:nvSpPr>
+          <p:cNvPr id="11" name="TextBox 10">
+            <a:extLst>
+              <a:ext uri="{FF2B5EF4-FFF2-40B4-BE49-F238E27FC236}">
+                <a16:creationId xmlns:a16="http://schemas.microsoft.com/office/drawing/2014/main" id="{8EF6E01F-7C50-4ABF-AF11-BCDCBE35B4ED}"/>
+              </a:ext>
+            </a:extLst>
+          </p:cNvPr>
+          <p:cNvSpPr txBox="1"/>
+          <p:nvPr/>
+        </p:nvSpPr>
+        <p:spPr>
+          <a:xfrm>
+            <a:off x="1755058" y="744793"/>
+            <a:ext cx="9409471" cy="523220"/>
+          </a:xfrm>
+          <a:prstGeom prst="rect">
+            <a:avLst/>
+          </a:prstGeom>
+          <a:noFill/>
+        </p:spPr>
+        <p:txBody>
+          <a:bodyPr wrap="square" rtlCol="0">
+            <a:spAutoFit/>
+          </a:bodyPr>
+          <a:lstStyle/>
+          <a:p>
+            <a:r>
+              <a:rPr lang="en-US" sz="2800" b="1" dirty="0"/>
+              <a:t>Download the dependences for the project  </a:t>
+            </a:r>
+          </a:p>
+        </p:txBody>
+      </p:sp>
+    </p:spTree>
+    <p:extLst>
+      <p:ext uri="{BB962C8B-B14F-4D97-AF65-F5344CB8AC3E}">
+        <p14:creationId xmlns:p14="http://schemas.microsoft.com/office/powerpoint/2010/main" val="1920070264"/>
+      </p:ext>
+    </p:extLst>
+  </p:cSld>
+  <p:clrMapOvr>
+    <a:masterClrMapping/>
+  </p:clrMapOvr>
+</p:sld>
+</file>
+
+<file path=ppt/slides/slide6.xml><?xml version="1.0" encoding="utf-8"?>
+<p:sld xmlns:a="http://schemas.openxmlformats.org/drawingml/2006/main" xmlns:r="http://schemas.openxmlformats.org/officeDocument/2006/relationships" xmlns:p="http://schemas.openxmlformats.org/presentationml/2006/main">
+  <p:cSld>
+    <p:spTree>
+      <p:nvGrpSpPr>
+        <p:cNvPr id="1" name=""/>
+        <p:cNvGrpSpPr/>
+        <p:nvPr/>
+      </p:nvGrpSpPr>
+      <p:grpSpPr>
+        <a:xfrm>
+          <a:off x="0" y="0"/>
+          <a:ext cx="0" cy="0"/>
+          <a:chOff x="0" y="0"/>
+          <a:chExt cx="0" cy="0"/>
+        </a:xfrm>
+      </p:grpSpPr>
+      <p:sp>
+        <p:nvSpPr>
+          <p:cNvPr id="4" name="Title 3">
+            <a:extLst>
+              <a:ext uri="{FF2B5EF4-FFF2-40B4-BE49-F238E27FC236}">
+                <a16:creationId xmlns:a16="http://schemas.microsoft.com/office/drawing/2014/main" id="{79583A41-A587-43C7-871B-557A9DA3B4F9}"/>
+              </a:ext>
+            </a:extLst>
+          </p:cNvPr>
+          <p:cNvSpPr>
+            <a:spLocks noGrp="1"/>
+          </p:cNvSpPr>
+          <p:nvPr>
+            <p:ph type="title"/>
+          </p:nvPr>
+        </p:nvSpPr>
+        <p:spPr/>
+        <p:txBody>
+          <a:bodyPr/>
+          <a:lstStyle/>
+          <a:p>
+            <a:r>
+              <a:rPr lang="en-US" dirty="0"/>
+              <a:t>Collect data from Website   </a:t>
+            </a:r>
+          </a:p>
+        </p:txBody>
+      </p:sp>
+    </p:spTree>
+    <p:extLst>
+      <p:ext uri="{BB962C8B-B14F-4D97-AF65-F5344CB8AC3E}">
+        <p14:creationId xmlns:p14="http://schemas.microsoft.com/office/powerpoint/2010/main" val="1606741425"/>
+      </p:ext>
+    </p:extLst>
+  </p:cSld>
+  <p:clrMapOvr>
+    <a:masterClrMapping/>
+  </p:clrMapOvr>
+</p:sld>
+</file>
+
+<file path=ppt/slides/slide7.xml><?xml version="1.0" encoding="utf-8"?>
+<p:sld xmlns:a="http://schemas.openxmlformats.org/drawingml/2006/main" xmlns:r="http://schemas.openxmlformats.org/officeDocument/2006/relationships" xmlns:p="http://schemas.openxmlformats.org/presentationml/2006/main">
+  <p:cSld>
+    <p:spTree>
+      <p:nvGrpSpPr>
+        <p:cNvPr id="1" name=""/>
+        <p:cNvGrpSpPr/>
+        <p:nvPr/>
+      </p:nvGrpSpPr>
+      <p:grpSpPr>
+        <a:xfrm>
+          <a:off x="0" y="0"/>
+          <a:ext cx="0" cy="0"/>
+          <a:chOff x="0" y="0"/>
+          <a:chExt cx="0" cy="0"/>
+        </a:xfrm>
+      </p:grpSpPr>
+      <p:sp>
+        <p:nvSpPr>
+          <p:cNvPr id="4" name="Title 3">
+            <a:extLst>
+              <a:ext uri="{FF2B5EF4-FFF2-40B4-BE49-F238E27FC236}">
+                <a16:creationId xmlns:a16="http://schemas.microsoft.com/office/drawing/2014/main" id="{79583A41-A587-43C7-871B-557A9DA3B4F9}"/>
+              </a:ext>
+            </a:extLst>
+          </p:cNvPr>
+          <p:cNvSpPr>
+            <a:spLocks noGrp="1"/>
+          </p:cNvSpPr>
+          <p:nvPr>
+            <p:ph type="title"/>
+          </p:nvPr>
+        </p:nvSpPr>
+        <p:spPr>
+          <a:xfrm>
+            <a:off x="1546763" y="42523"/>
+            <a:ext cx="10440450" cy="1280890"/>
+          </a:xfrm>
+        </p:spPr>
+        <p:txBody>
+          <a:bodyPr>
+            <a:normAutofit/>
+          </a:bodyPr>
+          <a:lstStyle/>
+          <a:p>
+            <a:r>
+              <a:rPr lang="en-US" dirty="0"/>
+              <a:t>Import Data For Cites and Zip Codes in each county  </a:t>
+            </a:r>
+          </a:p>
+        </p:txBody>
+      </p:sp>
+      <p:pic>
+        <p:nvPicPr>
+          <p:cNvPr id="3" name="Picture 2">
+            <a:extLst>
+              <a:ext uri="{FF2B5EF4-FFF2-40B4-BE49-F238E27FC236}">
+                <a16:creationId xmlns:a16="http://schemas.microsoft.com/office/drawing/2014/main" id="{3F5BAE8C-7090-4D6C-8EE2-4860815B1A97}"/>
+              </a:ext>
+            </a:extLst>
+          </p:cNvPr>
+          <p:cNvPicPr>
+            <a:picLocks noChangeAspect="1"/>
+          </p:cNvPicPr>
+          <p:nvPr/>
+        </p:nvPicPr>
+        <p:blipFill>
+          <a:blip r:embed="rId2"/>
+          <a:stretch>
+            <a:fillRect/>
+          </a:stretch>
+        </p:blipFill>
+        <p:spPr>
+          <a:xfrm>
+            <a:off x="1733550" y="1223598"/>
+            <a:ext cx="9620250" cy="2696412"/>
+          </a:xfrm>
+          <a:prstGeom prst="rect">
+            <a:avLst/>
+          </a:prstGeom>
+        </p:spPr>
+      </p:pic>
+      <p:pic>
+        <p:nvPicPr>
+          <p:cNvPr id="8" name="Picture 7">
+            <a:extLst>
+              <a:ext uri="{FF2B5EF4-FFF2-40B4-BE49-F238E27FC236}">
+                <a16:creationId xmlns:a16="http://schemas.microsoft.com/office/drawing/2014/main" id="{B0DC0F65-A651-4E93-8ACA-061A0A334D52}"/>
+              </a:ext>
+            </a:extLst>
+          </p:cNvPr>
+          <p:cNvPicPr>
+            <a:picLocks noChangeAspect="1"/>
+          </p:cNvPicPr>
+          <p:nvPr/>
+        </p:nvPicPr>
+        <p:blipFill>
+          <a:blip r:embed="rId3"/>
+          <a:stretch>
+            <a:fillRect/>
+          </a:stretch>
+        </p:blipFill>
+        <p:spPr>
+          <a:xfrm>
+            <a:off x="1733550" y="4158518"/>
+            <a:ext cx="9620250" cy="2699482"/>
+          </a:xfrm>
+          <a:prstGeom prst="rect">
+            <a:avLst/>
+          </a:prstGeom>
+        </p:spPr>
+      </p:pic>
+    </p:spTree>
+    <p:extLst>
+      <p:ext uri="{BB962C8B-B14F-4D97-AF65-F5344CB8AC3E}">
+        <p14:creationId xmlns:p14="http://schemas.microsoft.com/office/powerpoint/2010/main" val="4211651210"/>
+      </p:ext>
+    </p:extLst>
+  </p:cSld>
+  <p:clrMapOvr>
+    <a:masterClrMapping/>
+  </p:clrMapOvr>
+</p:sld>
+</file>
+
+<file path=ppt/slides/slide8.xml><?xml version="1.0" encoding="utf-8"?>
+<p:sld xmlns:a="http://schemas.openxmlformats.org/drawingml/2006/main" xmlns:r="http://schemas.openxmlformats.org/officeDocument/2006/relationships" xmlns:p="http://schemas.openxmlformats.org/presentationml/2006/main">
+  <p:cSld>
+    <p:spTree>
+      <p:nvGrpSpPr>
+        <p:cNvPr id="1" name=""/>
+        <p:cNvGrpSpPr/>
+        <p:nvPr/>
+      </p:nvGrpSpPr>
+      <p:grpSpPr>
+        <a:xfrm>
+          <a:off x="0" y="0"/>
+          <a:ext cx="0" cy="0"/>
+          <a:chOff x="0" y="0"/>
+          <a:chExt cx="0" cy="0"/>
+        </a:xfrm>
+      </p:grpSpPr>
+      <p:sp>
+        <p:nvSpPr>
+          <p:cNvPr id="4" name="Title 3">
+            <a:extLst>
+              <a:ext uri="{FF2B5EF4-FFF2-40B4-BE49-F238E27FC236}">
+                <a16:creationId xmlns:a16="http://schemas.microsoft.com/office/drawing/2014/main" id="{E30B8E50-95F4-40A9-BB41-BE37A1C4718F}"/>
+              </a:ext>
+            </a:extLst>
+          </p:cNvPr>
+          <p:cNvSpPr>
+            <a:spLocks noGrp="1"/>
+          </p:cNvSpPr>
+          <p:nvPr>
+            <p:ph type="title"/>
+          </p:nvPr>
+        </p:nvSpPr>
+        <p:spPr>
+          <a:xfrm>
+            <a:off x="1640156" y="252634"/>
+            <a:ext cx="10551844" cy="1076103"/>
+          </a:xfrm>
+        </p:spPr>
+        <p:txBody>
+          <a:bodyPr>
+            <a:normAutofit fontScale="90000"/>
+          </a:bodyPr>
+          <a:lstStyle/>
+          <a:p>
+            <a:r>
+              <a:rPr lang="en-US" dirty="0"/>
+              <a:t>Import the Data for Cities in Ohio and Geo Coordination points </a:t>
+            </a:r>
+          </a:p>
+        </p:txBody>
+      </p:sp>
+      <p:pic>
+        <p:nvPicPr>
+          <p:cNvPr id="3" name="Picture 2">
+            <a:extLst>
+              <a:ext uri="{FF2B5EF4-FFF2-40B4-BE49-F238E27FC236}">
+                <a16:creationId xmlns:a16="http://schemas.microsoft.com/office/drawing/2014/main" id="{93B96C83-11DE-47CB-8347-472E67F5ADB4}"/>
+              </a:ext>
+            </a:extLst>
+          </p:cNvPr>
+          <p:cNvPicPr>
+            <a:picLocks noChangeAspect="1"/>
+          </p:cNvPicPr>
+          <p:nvPr/>
+        </p:nvPicPr>
+        <p:blipFill>
+          <a:blip r:embed="rId2"/>
+          <a:stretch>
+            <a:fillRect/>
+          </a:stretch>
+        </p:blipFill>
+        <p:spPr>
+          <a:xfrm>
+            <a:off x="161925" y="1562100"/>
+            <a:ext cx="12030075" cy="1219200"/>
+          </a:xfrm>
+          <a:prstGeom prst="rect">
+            <a:avLst/>
+          </a:prstGeom>
+        </p:spPr>
+      </p:pic>
+      <p:pic>
+        <p:nvPicPr>
+          <p:cNvPr id="8" name="Picture 7">
+            <a:extLst>
+              <a:ext uri="{FF2B5EF4-FFF2-40B4-BE49-F238E27FC236}">
+                <a16:creationId xmlns:a16="http://schemas.microsoft.com/office/drawing/2014/main" id="{DF66ADEB-BCEB-4104-A7D5-25D3F1DA49AE}"/>
+              </a:ext>
+            </a:extLst>
+          </p:cNvPr>
+          <p:cNvPicPr>
+            <a:picLocks noChangeAspect="1"/>
+          </p:cNvPicPr>
+          <p:nvPr/>
+        </p:nvPicPr>
+        <p:blipFill>
+          <a:blip r:embed="rId3"/>
+          <a:stretch>
+            <a:fillRect/>
+          </a:stretch>
+        </p:blipFill>
+        <p:spPr>
+          <a:xfrm>
+            <a:off x="161925" y="3176366"/>
+            <a:ext cx="12039600" cy="3429000"/>
+          </a:xfrm>
+          <a:prstGeom prst="rect">
+            <a:avLst/>
+          </a:prstGeom>
+        </p:spPr>
+      </p:pic>
+    </p:spTree>
+    <p:extLst>
+      <p:ext uri="{BB962C8B-B14F-4D97-AF65-F5344CB8AC3E}">
+        <p14:creationId xmlns:p14="http://schemas.microsoft.com/office/powerpoint/2010/main" val="404556912"/>
+      </p:ext>
+    </p:extLst>
+  </p:cSld>
+  <p:clrMapOvr>
+    <a:masterClrMapping/>
+  </p:clrMapOvr>
+</p:sld>
+</file>
+
+<file path=ppt/slides/slide9.xml><?xml version="1.0" encoding="utf-8"?>
+<p:sld xmlns:a="http://schemas.openxmlformats.org/drawingml/2006/main" xmlns:r="http://schemas.openxmlformats.org/officeDocument/2006/relationships" xmlns:p="http://schemas.openxmlformats.org/presentationml/2006/main">
+  <p:cSld>
+    <p:spTree>
+      <p:nvGrpSpPr>
+        <p:cNvPr id="1" name=""/>
+        <p:cNvGrpSpPr/>
+        <p:nvPr/>
+      </p:nvGrpSpPr>
+      <p:grpSpPr>
+        <a:xfrm>
+          <a:off x="0" y="0"/>
+          <a:ext cx="0" cy="0"/>
+          <a:chOff x="0" y="0"/>
+          <a:chExt cx="0" cy="0"/>
+        </a:xfrm>
+      </p:grpSpPr>
+      <p:sp>
+        <p:nvSpPr>
+          <p:cNvPr id="4" name="Title 3">
+            <a:extLst>
+              <a:ext uri="{FF2B5EF4-FFF2-40B4-BE49-F238E27FC236}">
+                <a16:creationId xmlns:a16="http://schemas.microsoft.com/office/drawing/2014/main" id="{E30B8E50-95F4-40A9-BB41-BE37A1C4718F}"/>
+              </a:ext>
+            </a:extLst>
+          </p:cNvPr>
+          <p:cNvSpPr>
+            <a:spLocks noGrp="1"/>
+          </p:cNvSpPr>
+          <p:nvPr>
+            <p:ph type="title"/>
+          </p:nvPr>
+        </p:nvSpPr>
+        <p:spPr>
+          <a:xfrm>
+            <a:off x="1654443" y="152621"/>
+            <a:ext cx="10404207" cy="1647604"/>
+          </a:xfrm>
+        </p:spPr>
+        <p:txBody>
+          <a:bodyPr>
+            <a:normAutofit fontScale="90000"/>
+          </a:bodyPr>
+          <a:lstStyle/>
+          <a:p>
+            <a:r>
+              <a:rPr lang="en-US" dirty="0"/>
+              <a:t>Clean tables and merge tables to get clean table for cities, Zip Codes and Geo Coordination for each county </a:t>
+            </a:r>
+          </a:p>
+        </p:txBody>
+      </p:sp>
+      <p:pic>
+        <p:nvPicPr>
+          <p:cNvPr id="5" name="Picture 4">
+            <a:extLst>
+              <a:ext uri="{FF2B5EF4-FFF2-40B4-BE49-F238E27FC236}">
+                <a16:creationId xmlns:a16="http://schemas.microsoft.com/office/drawing/2014/main" id="{CD970235-1B7E-47BC-870B-24B5D78BE19B}"/>
+              </a:ext>
+            </a:extLst>
+          </p:cNvPr>
+          <p:cNvPicPr>
+            <a:picLocks noChangeAspect="1"/>
+          </p:cNvPicPr>
+          <p:nvPr/>
+        </p:nvPicPr>
+        <p:blipFill>
+          <a:blip r:embed="rId2"/>
+          <a:stretch>
+            <a:fillRect/>
+          </a:stretch>
+        </p:blipFill>
+        <p:spPr>
+          <a:xfrm>
+            <a:off x="180975" y="1800225"/>
+            <a:ext cx="12011025" cy="2447925"/>
+          </a:xfrm>
+          <a:prstGeom prst="rect">
+            <a:avLst/>
+          </a:prstGeom>
+        </p:spPr>
+      </p:pic>
+      <p:pic>
+        <p:nvPicPr>
+          <p:cNvPr id="9" name="Picture 8">
+            <a:extLst>
+              <a:ext uri="{FF2B5EF4-FFF2-40B4-BE49-F238E27FC236}">
+                <a16:creationId xmlns:a16="http://schemas.microsoft.com/office/drawing/2014/main" id="{4AEA25A1-62DC-4975-8378-CC30A45B3B81}"/>
+              </a:ext>
+            </a:extLst>
+          </p:cNvPr>
+          <p:cNvPicPr>
+            <a:picLocks noChangeAspect="1"/>
+          </p:cNvPicPr>
+          <p:nvPr/>
+        </p:nvPicPr>
+        <p:blipFill>
+          <a:blip r:embed="rId3"/>
+          <a:stretch>
+            <a:fillRect/>
+          </a:stretch>
+        </p:blipFill>
+        <p:spPr>
+          <a:xfrm>
+            <a:off x="161925" y="4495800"/>
+            <a:ext cx="12030075" cy="2362200"/>
+          </a:xfrm>
+          <a:prstGeom prst="rect">
+            <a:avLst/>
+          </a:prstGeom>
+        </p:spPr>
+      </p:pic>
+    </p:spTree>
+    <p:extLst>
+      <p:ext uri="{BB962C8B-B14F-4D97-AF65-F5344CB8AC3E}">
+        <p14:creationId xmlns:p14="http://schemas.microsoft.com/office/powerpoint/2010/main" val="3896346567"/>
       </p:ext>
     </p:extLst>
   </p:cSld>
